--- a/Assignments/Design Project/EE4620_CaginSari_DP.pptx
+++ b/Assignments/Design Project/EE4620_CaginSari_DP.pptx
@@ -580,6 +580,75 @@
 </p:notes>
 </file>
 
+<file path=ppt/notesSlides/notesSlide10.xml><?xml version="1.0" encoding="utf-8"?>
+<p:notes xmlns:a="http://schemas.openxmlformats.org/drawingml/2006/main" xmlns:r="http://schemas.openxmlformats.org/officeDocument/2006/relationships" xmlns:p="http://schemas.openxmlformats.org/presentationml/2006/main">
+  <p:cSld>
+    <p:spTree>
+      <p:nvGrpSpPr>
+        <p:cNvPr id="1" name=""/>
+        <p:cNvGrpSpPr/>
+        <p:nvPr/>
+      </p:nvGrpSpPr>
+      <p:grpSpPr>
+        <a:xfrm>
+          <a:off x="0" y="0"/>
+          <a:ext cx="0" cy="0"/>
+          <a:chOff x="0" y="0"/>
+          <a:chExt cx="0" cy="0"/>
+        </a:xfrm>
+      </p:grpSpPr>
+      <p:sp>
+        <p:nvSpPr>
+          <p:cNvPr id="2" name="Slide Image Placeholder 1"/>
+          <p:cNvSpPr>
+            <a:spLocks noGrp="1" noRot="1" noChangeAspect="1"/>
+          </p:cNvSpPr>
+          <p:nvPr>
+            <p:ph type="sldImg"/>
+          </p:nvPr>
+        </p:nvSpPr>
+        <p:spPr>
+          <a:xfrm>
+            <a:off x="381000" y="685800"/>
+            <a:ext cx="6096000" cy="3429000"/>
+          </a:xfrm>
+        </p:spPr>
+      </p:sp>
+      <p:sp>
+        <p:nvSpPr>
+          <p:cNvPr id="3" name="Notes Placeholder 2"/>
+          <p:cNvSpPr>
+            <a:spLocks noGrp="1"/>
+          </p:cNvSpPr>
+          <p:nvPr>
+            <p:ph type="body" idx="1"/>
+          </p:nvPr>
+        </p:nvSpPr>
+        <p:spPr/>
+        <p:txBody>
+          <a:bodyPr/>
+          <a:lstStyle/>
+          <a:p>
+            <a:r>
+              <a:rPr lang="en-GB" dirty="0"/>
+              <a:t>Feedback: Revise the conclusion section, use the electric field to describe the changes in reception instead of using electric field and power interchangeably.</a:t>
+            </a:r>
+          </a:p>
+        </p:txBody>
+      </p:sp>
+    </p:spTree>
+    <p:extLst>
+      <p:ext uri="{BB962C8B-B14F-4D97-AF65-F5344CB8AC3E}">
+        <p14:creationId xmlns:p14="http://schemas.microsoft.com/office/powerpoint/2010/main" val="3063891359"/>
+      </p:ext>
+    </p:extLst>
+  </p:cSld>
+  <p:clrMapOvr>
+    <a:masterClrMapping/>
+  </p:clrMapOvr>
+</p:notes>
+</file>
+
 <file path=ppt/notesSlides/notesSlide2.xml><?xml version="1.0" encoding="utf-8"?>
 <p:notes xmlns:a="http://schemas.openxmlformats.org/drawingml/2006/main" xmlns:r="http://schemas.openxmlformats.org/officeDocument/2006/relationships" xmlns:p="http://schemas.openxmlformats.org/presentationml/2006/main">
   <p:cSld>
@@ -979,6 +1048,16 @@
           <a:p>
             <a:endParaRPr lang="en-GB" dirty="0"/>
           </a:p>
+          <a:p>
+            <a:r>
+              <a:rPr lang="en-GB" dirty="0"/>
+              <a:t>Feedback: revise the concept of electrical length of </a:t>
+            </a:r>
+            <a:r>
+              <a:rPr lang="en-GB"/>
+              <a:t>the dipole.</a:t>
+            </a:r>
+          </a:p>
         </p:txBody>
       </p:sp>
       <p:sp>
@@ -1303,6 +1382,15 @@
               <a:t> in power is due to cylindrical spreading of the surface waves.</a:t>
             </a:r>
           </a:p>
+          <a:p>
+            <a:endParaRPr lang="en-GB" dirty="0"/>
+          </a:p>
+          <a:p>
+            <a:r>
+              <a:rPr lang="en-GB" dirty="0"/>
+              <a:t>Feedback: Change the range from 10 cm to 15 cm</a:t>
+            </a:r>
+          </a:p>
         </p:txBody>
       </p:sp>
       <p:sp>
@@ -1390,7 +1478,10 @@
           <a:bodyPr/>
           <a:lstStyle/>
           <a:p>
-            <a:endParaRPr lang="en-GB" dirty="0"/>
+            <a:r>
+              <a:rPr lang="en-GB" dirty="0"/>
+              <a:t>Feedback: Add unnormalized received power</a:t>
+            </a:r>
           </a:p>
         </p:txBody>
       </p:sp>
@@ -1610,7 +1701,7 @@
                 <a:effectLst/>
                 <a:extLst>
                   <a:ext uri="{C572A759-6A51-4108-AA02-DFA0A04FC94B}">
-                    <ma14:wrappingTextBoxFlag xmlns="" xmlns:m="http://schemas.openxmlformats.org/officeDocument/2006/math" xmlns:a14="http://schemas.microsoft.com/office/drawing/2010/main" xmlns:ma14="http://schemas.microsoft.com/office/mac/drawingml/2011/main" val="1"/>
+                    <ma14:wrappingTextBoxFlag xmlns:ma14="http://schemas.microsoft.com/office/mac/drawingml/2011/main" xmlns:a14="http://schemas.microsoft.com/office/drawing/2010/main" xmlns:m="http://schemas.openxmlformats.org/officeDocument/2006/math" xmlns="" val="1"/>
                   </a:ext>
                 </a:extLst>
               </p:spPr>
@@ -1715,7 +1806,7 @@
                 <a:effectLst/>
                 <a:extLst>
                   <a:ext uri="{C572A759-6A51-4108-AA02-DFA0A04FC94B}">
-                    <ma14:wrappingTextBoxFlag xmlns="" xmlns:m="http://schemas.openxmlformats.org/officeDocument/2006/math" xmlns:a14="http://schemas.microsoft.com/office/drawing/2010/main" xmlns:ma14="http://schemas.microsoft.com/office/mac/drawingml/2011/main" val="1"/>
+                    <ma14:wrappingTextBoxFlag xmlns:ma14="http://schemas.microsoft.com/office/mac/drawingml/2011/main" xmlns:a14="http://schemas.microsoft.com/office/drawing/2010/main" xmlns:m="http://schemas.openxmlformats.org/officeDocument/2006/math" xmlns="" val="1"/>
                   </a:ext>
                 </a:extLst>
               </p:spPr>
@@ -1766,7 +1857,7 @@
               <a:effectLst/>
               <a:extLst>
                 <a:ext uri="{C572A759-6A51-4108-AA02-DFA0A04FC94B}">
-                  <ma14:wrappingTextBoxFlag xmlns="" xmlns:m="http://schemas.openxmlformats.org/officeDocument/2006/math" xmlns:a14="http://schemas.microsoft.com/office/drawing/2010/main" xmlns:ma14="http://schemas.microsoft.com/office/mac/drawingml/2011/main" val="1"/>
+                  <ma14:wrappingTextBoxFlag xmlns:ma14="http://schemas.microsoft.com/office/mac/drawingml/2011/main" xmlns:a14="http://schemas.microsoft.com/office/drawing/2010/main" xmlns:m="http://schemas.openxmlformats.org/officeDocument/2006/math" xmlns="" val="1"/>
                 </a:ext>
               </a:extLst>
             </p:spPr>
@@ -1877,7 +1968,7 @@
                 <a:effectLst/>
                 <a:extLst>
                   <a:ext uri="{C572A759-6A51-4108-AA02-DFA0A04FC94B}">
-                    <ma14:wrappingTextBoxFlag xmlns="" xmlns:m="http://schemas.openxmlformats.org/officeDocument/2006/math" xmlns:a14="http://schemas.microsoft.com/office/drawing/2010/main" xmlns:ma14="http://schemas.microsoft.com/office/mac/drawingml/2011/main" val="1"/>
+                    <ma14:wrappingTextBoxFlag xmlns:ma14="http://schemas.microsoft.com/office/mac/drawingml/2011/main" xmlns:a14="http://schemas.microsoft.com/office/drawing/2010/main" xmlns:m="http://schemas.openxmlformats.org/officeDocument/2006/math" xmlns="" val="1"/>
                   </a:ext>
                 </a:extLst>
               </p:spPr>
@@ -1928,7 +2019,7 @@
               <a:effectLst/>
               <a:extLst>
                 <a:ext uri="{C572A759-6A51-4108-AA02-DFA0A04FC94B}">
-                  <ma14:wrappingTextBoxFlag xmlns="" xmlns:m="http://schemas.openxmlformats.org/officeDocument/2006/math" xmlns:a14="http://schemas.microsoft.com/office/drawing/2010/main" xmlns:ma14="http://schemas.microsoft.com/office/mac/drawingml/2011/main" val="1"/>
+                  <ma14:wrappingTextBoxFlag xmlns:ma14="http://schemas.microsoft.com/office/mac/drawingml/2011/main" xmlns:a14="http://schemas.microsoft.com/office/drawing/2010/main" xmlns:m="http://schemas.openxmlformats.org/officeDocument/2006/math" xmlns="" val="1"/>
                 </a:ext>
               </a:extLst>
             </p:spPr>
@@ -2266,7 +2357,7 @@
                 <a:effectLst/>
                 <a:extLst>
                   <a:ext uri="{C572A759-6A51-4108-AA02-DFA0A04FC94B}">
-                    <ma14:wrappingTextBoxFlag xmlns="" xmlns:m="http://schemas.openxmlformats.org/officeDocument/2006/math" xmlns:a14="http://schemas.microsoft.com/office/drawing/2010/main" xmlns:ma14="http://schemas.microsoft.com/office/mac/drawingml/2011/main" val="1"/>
+                    <ma14:wrappingTextBoxFlag xmlns:ma14="http://schemas.microsoft.com/office/mac/drawingml/2011/main" xmlns:a14="http://schemas.microsoft.com/office/drawing/2010/main" xmlns:m="http://schemas.openxmlformats.org/officeDocument/2006/math" xmlns="" val="1"/>
                   </a:ext>
                 </a:extLst>
               </p:spPr>
@@ -3295,7 +3386,7 @@
           </a:ln>
           <a:extLst>
             <a:ext uri="{C572A759-6A51-4108-AA02-DFA0A04FC94B}">
-              <ma14:wrappingTextBoxFlag xmlns="" xmlns:m="http://schemas.openxmlformats.org/officeDocument/2006/math" xmlns:a14="http://schemas.microsoft.com/office/drawing/2010/main" xmlns:ma14="http://schemas.microsoft.com/office/mac/drawingml/2011/main" val="1"/>
+              <ma14:wrappingTextBoxFlag xmlns:ma14="http://schemas.microsoft.com/office/mac/drawingml/2011/main" xmlns:a14="http://schemas.microsoft.com/office/drawing/2010/main" xmlns:m="http://schemas.openxmlformats.org/officeDocument/2006/math" xmlns="" val="1"/>
             </a:ext>
           </a:extLst>
         </p:spPr>
@@ -3579,7 +3670,7 @@
               <a:effectLst/>
               <a:extLst>
                 <a:ext uri="{C572A759-6A51-4108-AA02-DFA0A04FC94B}">
-                  <ma14:wrappingTextBoxFlag xmlns="" xmlns:m="http://schemas.openxmlformats.org/officeDocument/2006/math" xmlns:a14="http://schemas.microsoft.com/office/drawing/2010/main" xmlns:ma14="http://schemas.microsoft.com/office/mac/drawingml/2011/main" val="1"/>
+                  <ma14:wrappingTextBoxFlag xmlns:ma14="http://schemas.microsoft.com/office/mac/drawingml/2011/main" xmlns:a14="http://schemas.microsoft.com/office/drawing/2010/main" xmlns:m="http://schemas.openxmlformats.org/officeDocument/2006/math" xmlns="" val="1"/>
                 </a:ext>
               </a:extLst>
             </p:spPr>
@@ -3684,7 +3775,7 @@
               <a:effectLst/>
               <a:extLst>
                 <a:ext uri="{C572A759-6A51-4108-AA02-DFA0A04FC94B}">
-                  <ma14:wrappingTextBoxFlag xmlns="" xmlns:m="http://schemas.openxmlformats.org/officeDocument/2006/math" xmlns:a14="http://schemas.microsoft.com/office/drawing/2010/main" xmlns:ma14="http://schemas.microsoft.com/office/mac/drawingml/2011/main" val="1"/>
+                  <ma14:wrappingTextBoxFlag xmlns:ma14="http://schemas.microsoft.com/office/mac/drawingml/2011/main" xmlns:a14="http://schemas.microsoft.com/office/drawing/2010/main" xmlns:m="http://schemas.openxmlformats.org/officeDocument/2006/math" xmlns="" val="1"/>
                 </a:ext>
               </a:extLst>
             </p:spPr>
@@ -3735,7 +3826,7 @@
             <a:effectLst/>
             <a:extLst>
               <a:ext uri="{C572A759-6A51-4108-AA02-DFA0A04FC94B}">
-                <ma14:wrappingTextBoxFlag xmlns="" xmlns:m="http://schemas.openxmlformats.org/officeDocument/2006/math" xmlns:a14="http://schemas.microsoft.com/office/drawing/2010/main" xmlns:ma14="http://schemas.microsoft.com/office/mac/drawingml/2011/main" val="1"/>
+                <ma14:wrappingTextBoxFlag xmlns:ma14="http://schemas.microsoft.com/office/mac/drawingml/2011/main" xmlns:a14="http://schemas.microsoft.com/office/drawing/2010/main" xmlns:m="http://schemas.openxmlformats.org/officeDocument/2006/math" xmlns="" val="1"/>
               </a:ext>
             </a:extLst>
           </p:spPr>
@@ -3839,7 +3930,7 @@
               <a:effectLst/>
               <a:extLst>
                 <a:ext uri="{C572A759-6A51-4108-AA02-DFA0A04FC94B}">
-                  <ma14:wrappingTextBoxFlag xmlns="" xmlns:m="http://schemas.openxmlformats.org/officeDocument/2006/math" xmlns:a14="http://schemas.microsoft.com/office/drawing/2010/main" xmlns:ma14="http://schemas.microsoft.com/office/mac/drawingml/2011/main" val="1"/>
+                  <ma14:wrappingTextBoxFlag xmlns:ma14="http://schemas.microsoft.com/office/mac/drawingml/2011/main" xmlns:a14="http://schemas.microsoft.com/office/drawing/2010/main" xmlns:m="http://schemas.openxmlformats.org/officeDocument/2006/math" xmlns="" val="1"/>
                 </a:ext>
               </a:extLst>
             </p:spPr>
@@ -3890,7 +3981,7 @@
             <a:effectLst/>
             <a:extLst>
               <a:ext uri="{C572A759-6A51-4108-AA02-DFA0A04FC94B}">
-                <ma14:wrappingTextBoxFlag xmlns="" xmlns:m="http://schemas.openxmlformats.org/officeDocument/2006/math" xmlns:a14="http://schemas.microsoft.com/office/drawing/2010/main" xmlns:ma14="http://schemas.microsoft.com/office/mac/drawingml/2011/main" val="1"/>
+                <ma14:wrappingTextBoxFlag xmlns:ma14="http://schemas.microsoft.com/office/mac/drawingml/2011/main" xmlns:a14="http://schemas.microsoft.com/office/drawing/2010/main" xmlns:m="http://schemas.openxmlformats.org/officeDocument/2006/math" xmlns="" val="1"/>
               </a:ext>
             </a:extLst>
           </p:spPr>
@@ -4622,7 +4713,7 @@
           <a:p>
             <a:fld id="{7E67AA13-4784-43C4-B8B5-AEDA49D06613}" type="datetime1">
               <a:rPr lang="en-GB" smtClean="0"/>
-              <a:t>03/07/2023</a:t>
+              <a:t>22/07/2023</a:t>
             </a:fld>
             <a:endParaRPr lang="en-GB"/>
           </a:p>
@@ -6547,7 +6638,7 @@
           <a:p>
             <a:fld id="{6659D3E7-779A-4C4C-A8FB-0E2062DC4755}" type="datetime1">
               <a:rPr lang="en-GB" smtClean="0"/>
-              <a:t>03/07/2023</a:t>
+              <a:t>22/07/2023</a:t>
             </a:fld>
             <a:endParaRPr lang="en-GB"/>
           </a:p>
@@ -8185,7 +8276,7 @@
           <a:p>
             <a:fld id="{308DFF2B-D3E4-4362-B453-C62282091FD1}" type="datetime1">
               <a:rPr lang="en-GB" smtClean="0"/>
-              <a:t>03/07/2023</a:t>
+              <a:t>22/07/2023</a:t>
             </a:fld>
             <a:endParaRPr lang="en-GB"/>
           </a:p>
@@ -9823,7 +9914,7 @@
           <a:p>
             <a:fld id="{5F8BC409-86AD-4468-854C-48072557E44A}" type="datetime1">
               <a:rPr lang="en-GB" smtClean="0"/>
-              <a:t>03/07/2023</a:t>
+              <a:t>22/07/2023</a:t>
             </a:fld>
             <a:endParaRPr lang="en-GB"/>
           </a:p>
@@ -10358,7 +10449,7 @@
           <a:p>
             <a:fld id="{EE9D4356-CEF6-47B6-9F4F-AF716559806F}" type="datetime1">
               <a:rPr lang="en-GB" smtClean="0"/>
-              <a:t>03/07/2023</a:t>
+              <a:t>22/07/2023</a:t>
             </a:fld>
             <a:endParaRPr lang="en-GB"/>
           </a:p>
@@ -13326,7 +13417,7 @@
           <a:p>
             <a:fld id="{67942B40-43C4-4841-8318-A551BB5C69B3}" type="datetime1">
               <a:rPr lang="en-GB" smtClean="0"/>
-              <a:t>03/07/2023</a:t>
+              <a:t>22/07/2023</a:t>
             </a:fld>
             <a:endParaRPr lang="en-GB"/>
           </a:p>
@@ -14295,7 +14386,7 @@
           </a:prstGeom>
           <a:extLst>
             <a:ext uri="{C572A759-6A51-4108-AA02-DFA0A04FC94B}">
-              <ma14:wrappingTextBoxFlag xmlns:ma14="http://schemas.microsoft.com/office/mac/drawingml/2011/main" xmlns:a14="http://schemas.microsoft.com/office/drawing/2010/main" xmlns:m="http://schemas.openxmlformats.org/officeDocument/2006/math" xmlns="" val="1"/>
+              <ma14:wrappingTextBoxFlag xmlns="" xmlns:m="http://schemas.openxmlformats.org/officeDocument/2006/math" xmlns:a14="http://schemas.microsoft.com/office/drawing/2010/main" xmlns:ma14="http://schemas.microsoft.com/office/mac/drawingml/2011/main" val="1"/>
             </a:ext>
           </a:extLst>
         </p:spPr>
@@ -14329,7 +14420,7 @@
           </a:prstGeom>
           <a:extLst>
             <a:ext uri="{C572A759-6A51-4108-AA02-DFA0A04FC94B}">
-              <ma14:wrappingTextBoxFlag xmlns:ma14="http://schemas.microsoft.com/office/mac/drawingml/2011/main" xmlns:a14="http://schemas.microsoft.com/office/drawing/2010/main" xmlns:m="http://schemas.openxmlformats.org/officeDocument/2006/math" xmlns="" val="1"/>
+              <ma14:wrappingTextBoxFlag xmlns="" xmlns:m="http://schemas.openxmlformats.org/officeDocument/2006/math" xmlns:a14="http://schemas.microsoft.com/office/drawing/2010/main" xmlns:ma14="http://schemas.microsoft.com/office/mac/drawingml/2011/main" val="1"/>
             </a:ext>
           </a:extLst>
         </p:spPr>
@@ -14385,7 +14476,7 @@
         <p:push dir="u"/>
       </p:transition>
     </mc:Choice>
-    <mc:Fallback xmlns:a14="http://schemas.microsoft.com/office/drawing/2010/main" xmlns:m="http://schemas.openxmlformats.org/officeDocument/2006/math" xmlns="">
+    <mc:Fallback xmlns="" xmlns:m="http://schemas.openxmlformats.org/officeDocument/2006/math" xmlns:a14="http://schemas.microsoft.com/office/drawing/2010/main">
       <p:transition spd="slow">
         <p:fade/>
       </p:transition>
@@ -20038,8 +20129,8 @@
           </a:p>
         </p:txBody>
       </p:sp>
-      <mc:AlternateContent xmlns:mc="http://schemas.openxmlformats.org/markup-compatibility/2006" xmlns:a14="http://schemas.microsoft.com/office/drawing/2010/main">
-        <mc:Choice Requires="a14">
+      <mc:AlternateContent xmlns:mc="http://schemas.openxmlformats.org/markup-compatibility/2006">
+        <mc:Choice xmlns:a14="http://schemas.microsoft.com/office/drawing/2010/main" Requires="a14">
           <p:sp>
             <p:nvSpPr>
               <p:cNvPr id="3" name="TextBox 2">
@@ -20055,7 +20146,7 @@
             <p:spPr>
               <a:xfrm>
                 <a:off x="977416" y="1879390"/>
-                <a:ext cx="10551799" cy="1127809"/>
+                <a:ext cx="10658111" cy="1127809"/>
               </a:xfrm>
               <a:prstGeom prst="rect">
                 <a:avLst/>
@@ -20106,42 +20197,21 @@
                         </m:ctrlPr>
                       </m:sSubPr>
                       <m:e>
-                        <m:acc>
-                          <m:accPr>
-                            <m:chr m:val="⃗"/>
-                            <m:ctrlPr>
-                              <a:rPr kumimoji="0" lang="en-GB" sz="2400" b="0" i="1" u="none" strike="noStrike" cap="none" spc="0" normalizeH="0" baseline="0" smtClean="0">
-                                <a:ln>
-                                  <a:noFill/>
-                                </a:ln>
-                                <a:solidFill>
-                                  <a:srgbClr val="000000"/>
-                                </a:solidFill>
-                                <a:effectLst/>
-                                <a:uFillTx/>
-                                <a:latin typeface="Cambria Math" panose="02040503050406030204" pitchFamily="18" charset="0"/>
-                                <a:sym typeface="Arial"/>
-                              </a:rPr>
-                            </m:ctrlPr>
-                          </m:accPr>
-                          <m:e>
-                            <m:r>
-                              <a:rPr kumimoji="0" lang="en-GB" sz="2400" b="0" i="1" u="none" strike="noStrike" cap="none" spc="0" normalizeH="0" baseline="0" smtClean="0">
-                                <a:ln>
-                                  <a:noFill/>
-                                </a:ln>
-                                <a:solidFill>
-                                  <a:srgbClr val="000000"/>
-                                </a:solidFill>
-                                <a:effectLst/>
-                                <a:uFillTx/>
-                                <a:latin typeface="Cambria Math" panose="02040503050406030204" pitchFamily="18" charset="0"/>
-                                <a:sym typeface="Arial"/>
-                              </a:rPr>
-                              <m:t>𝐸</m:t>
-                            </m:r>
-                          </m:e>
-                        </m:acc>
+                        <m:r>
+                          <a:rPr kumimoji="0" lang="en-GB" sz="2400" b="0" i="1" u="none" strike="noStrike" cap="none" spc="0" normalizeH="0" baseline="0" smtClean="0">
+                            <a:ln>
+                              <a:noFill/>
+                            </a:ln>
+                            <a:solidFill>
+                              <a:srgbClr val="000000"/>
+                            </a:solidFill>
+                            <a:effectLst/>
+                            <a:uFillTx/>
+                            <a:latin typeface="Cambria Math" panose="02040503050406030204" pitchFamily="18" charset="0"/>
+                            <a:sym typeface="Arial"/>
+                          </a:rPr>
+                          <m:t>𝐸</m:t>
+                        </m:r>
                       </m:e>
                       <m:sub>
                         <m:r>
@@ -21640,7 +21710,7 @@
             </p:txBody>
           </p:sp>
         </mc:Choice>
-        <mc:Fallback xmlns="">
+        <mc:Fallback>
           <p:sp>
             <p:nvSpPr>
               <p:cNvPr id="3" name="TextBox 2">
@@ -21658,7 +21728,7 @@
             <p:spPr>
               <a:xfrm>
                 <a:off x="977416" y="1879390"/>
-                <a:ext cx="10551799" cy="1127809"/>
+                <a:ext cx="10658111" cy="1127809"/>
               </a:xfrm>
               <a:prstGeom prst="rect">
                 <a:avLst/>
@@ -21772,8 +21842,8 @@
           </a:p>
         </p:txBody>
       </p:sp>
-      <mc:AlternateContent xmlns:mc="http://schemas.openxmlformats.org/markup-compatibility/2006" xmlns:a14="http://schemas.microsoft.com/office/drawing/2010/main">
-        <mc:Choice Requires="a14">
+      <mc:AlternateContent xmlns:mc="http://schemas.openxmlformats.org/markup-compatibility/2006">
+        <mc:Choice xmlns:a14="http://schemas.microsoft.com/office/drawing/2010/main" Requires="a14">
           <p:sp>
             <p:nvSpPr>
               <p:cNvPr id="7" name="TextBox 6">
@@ -21845,42 +21915,21 @@
                           </m:ctrlPr>
                         </m:sSubPr>
                         <m:e>
-                          <m:acc>
-                            <m:accPr>
-                              <m:chr m:val="⃗"/>
-                              <m:ctrlPr>
-                                <a:rPr kumimoji="0" lang="en-GB" sz="2400" b="0" i="1" u="none" strike="noStrike" cap="none" spc="0" normalizeH="0" baseline="0" smtClean="0">
-                                  <a:ln>
-                                    <a:noFill/>
-                                  </a:ln>
-                                  <a:solidFill>
-                                    <a:srgbClr val="000000"/>
-                                  </a:solidFill>
-                                  <a:effectLst/>
-                                  <a:uFillTx/>
-                                  <a:latin typeface="Cambria Math" panose="02040503050406030204" pitchFamily="18" charset="0"/>
-                                  <a:sym typeface="Arial"/>
-                                </a:rPr>
-                              </m:ctrlPr>
-                            </m:accPr>
-                            <m:e>
-                              <m:r>
-                                <a:rPr kumimoji="0" lang="en-GB" sz="2400" b="0" i="1" u="none" strike="noStrike" cap="none" spc="0" normalizeH="0" baseline="0" smtClean="0">
-                                  <a:ln>
-                                    <a:noFill/>
-                                  </a:ln>
-                                  <a:solidFill>
-                                    <a:srgbClr val="000000"/>
-                                  </a:solidFill>
-                                  <a:effectLst/>
-                                  <a:uFillTx/>
-                                  <a:latin typeface="Cambria Math" panose="02040503050406030204" pitchFamily="18" charset="0"/>
-                                  <a:sym typeface="Arial"/>
-                                </a:rPr>
-                                <m:t>h</m:t>
-                              </m:r>
-                            </m:e>
-                          </m:acc>
+                          <m:r>
+                            <a:rPr kumimoji="0" lang="en-GB" sz="2400" b="0" i="1" u="none" strike="noStrike" cap="none" spc="0" normalizeH="0" baseline="0" smtClean="0">
+                              <a:ln>
+                                <a:noFill/>
+                              </a:ln>
+                              <a:solidFill>
+                                <a:srgbClr val="000000"/>
+                              </a:solidFill>
+                              <a:effectLst/>
+                              <a:uFillTx/>
+                              <a:latin typeface="Cambria Math" panose="02040503050406030204" pitchFamily="18" charset="0"/>
+                              <a:sym typeface="Arial"/>
+                            </a:rPr>
+                            <m:t>h</m:t>
+                          </m:r>
                         </m:e>
                         <m:sub>
                           <m:r>
@@ -22439,7 +22488,7 @@
             </p:txBody>
           </p:sp>
         </mc:Choice>
-        <mc:Fallback xmlns="">
+        <mc:Fallback>
           <p:sp>
             <p:nvSpPr>
               <p:cNvPr id="7" name="TextBox 6">
@@ -22907,8 +22956,8 @@
           </a:prstGeom>
         </p:spPr>
       </p:pic>
-      <mc:AlternateContent xmlns:mc="http://schemas.openxmlformats.org/markup-compatibility/2006" xmlns:a14="http://schemas.microsoft.com/office/drawing/2010/main">
-        <mc:Choice Requires="a14">
+      <mc:AlternateContent xmlns:mc="http://schemas.openxmlformats.org/markup-compatibility/2006">
+        <mc:Choice xmlns:a14="http://schemas.microsoft.com/office/drawing/2010/main" Requires="a14">
           <p:sp>
             <p:nvSpPr>
               <p:cNvPr id="11" name="TextBox 10">
@@ -22924,7 +22973,7 @@
             <p:spPr>
               <a:xfrm>
                 <a:off x="2506713" y="4168537"/>
-                <a:ext cx="6639232" cy="2156101"/>
+                <a:ext cx="6639232" cy="2083838"/>
               </a:xfrm>
               <a:prstGeom prst="rect">
                 <a:avLst/>
@@ -23015,44 +23064,22 @@
                         </m:ctrlPr>
                       </m:sSubPr>
                       <m:e>
-                        <m:acc>
-                          <m:accPr>
-                            <m:chr m:val="⃗"/>
-                            <m:ctrlPr>
-                              <a:rPr kumimoji="0" lang="en-GB" sz="2400" b="0" i="1" u="none" strike="noStrike" cap="none" spc="0" normalizeH="0" baseline="0" smtClean="0">
-                                <a:ln>
-                                  <a:noFill/>
-                                </a:ln>
-                                <a:solidFill>
-                                  <a:srgbClr val="000000"/>
-                                </a:solidFill>
-                                <a:effectLst/>
-                                <a:uFillTx/>
-                                <a:latin typeface="Cambria Math" panose="02040503050406030204" pitchFamily="18" charset="0"/>
-                                <a:cs typeface="Arial"/>
-                                <a:sym typeface="Arial"/>
-                              </a:rPr>
-                            </m:ctrlPr>
-                          </m:accPr>
-                          <m:e>
-                            <m:r>
-                              <a:rPr kumimoji="0" lang="en-GB" sz="2400" b="0" i="1" u="none" strike="noStrike" cap="none" spc="0" normalizeH="0" baseline="0" smtClean="0">
-                                <a:ln>
-                                  <a:noFill/>
-                                </a:ln>
-                                <a:solidFill>
-                                  <a:srgbClr val="000000"/>
-                                </a:solidFill>
-                                <a:effectLst/>
-                                <a:uFillTx/>
-                                <a:latin typeface="Cambria Math" panose="02040503050406030204" pitchFamily="18" charset="0"/>
-                                <a:cs typeface="Arial"/>
-                                <a:sym typeface="Arial"/>
-                              </a:rPr>
-                              <m:t>𝐸</m:t>
-                            </m:r>
-                          </m:e>
-                        </m:acc>
+                        <m:r>
+                          <a:rPr kumimoji="0" lang="en-GB" sz="2400" b="0" i="1" u="none" strike="noStrike" cap="none" spc="0" normalizeH="0" baseline="0" smtClean="0">
+                            <a:ln>
+                              <a:noFill/>
+                            </a:ln>
+                            <a:solidFill>
+                              <a:srgbClr val="000000"/>
+                            </a:solidFill>
+                            <a:effectLst/>
+                            <a:uFillTx/>
+                            <a:latin typeface="Cambria Math" panose="02040503050406030204" pitchFamily="18" charset="0"/>
+                            <a:cs typeface="Arial"/>
+                            <a:sym typeface="Arial"/>
+                          </a:rPr>
+                          <m:t>𝐸</m:t>
+                        </m:r>
                       </m:e>
                       <m:sub>
                         <m:r>
@@ -23103,24 +23130,12 @@
                         </m:ctrlPr>
                       </m:sSubPr>
                       <m:e>
-                        <m:acc>
-                          <m:accPr>
-                            <m:chr m:val="⃗"/>
-                            <m:ctrlPr>
-                              <a:rPr lang="en-GB" sz="2400" i="1">
-                                <a:latin typeface="Cambria Math" panose="02040503050406030204" pitchFamily="18" charset="0"/>
-                              </a:rPr>
-                            </m:ctrlPr>
-                          </m:accPr>
-                          <m:e>
-                            <m:r>
-                              <a:rPr lang="en-GB" sz="2400" i="1">
-                                <a:latin typeface="Cambria Math" panose="02040503050406030204" pitchFamily="18" charset="0"/>
-                              </a:rPr>
-                              <m:t>𝐸</m:t>
-                            </m:r>
-                          </m:e>
-                        </m:acc>
+                        <m:r>
+                          <a:rPr lang="en-GB" sz="2400" b="0" i="1" smtClean="0">
+                            <a:latin typeface="Cambria Math" panose="02040503050406030204" pitchFamily="18" charset="0"/>
+                          </a:rPr>
+                          <m:t>𝐸</m:t>
+                        </m:r>
                       </m:e>
                       <m:sub>
                         <m:r>
@@ -23243,24 +23258,12 @@
                         </m:ctrlPr>
                       </m:sSubPr>
                       <m:e>
-                        <m:acc>
-                          <m:accPr>
-                            <m:chr m:val="⃗"/>
-                            <m:ctrlPr>
-                              <a:rPr lang="en-GB" sz="2400" i="1">
-                                <a:latin typeface="Cambria Math" panose="02040503050406030204" pitchFamily="18" charset="0"/>
-                              </a:rPr>
-                            </m:ctrlPr>
-                          </m:accPr>
-                          <m:e>
-                            <m:r>
-                              <a:rPr lang="en-GB" sz="2400" i="1">
-                                <a:latin typeface="Cambria Math" panose="02040503050406030204" pitchFamily="18" charset="0"/>
-                              </a:rPr>
-                              <m:t>𝐸</m:t>
-                            </m:r>
-                          </m:e>
-                        </m:acc>
+                        <m:r>
+                          <a:rPr lang="en-GB" sz="2400" b="0" i="1" smtClean="0">
+                            <a:latin typeface="Cambria Math" panose="02040503050406030204" pitchFamily="18" charset="0"/>
+                          </a:rPr>
+                          <m:t>𝐸</m:t>
+                        </m:r>
                       </m:e>
                       <m:sub>
                         <m:r>
@@ -23295,24 +23298,12 @@
                         </m:ctrlPr>
                       </m:sSubPr>
                       <m:e>
-                        <m:acc>
-                          <m:accPr>
-                            <m:chr m:val="⃗"/>
-                            <m:ctrlPr>
-                              <a:rPr lang="en-GB" sz="2400" i="1">
-                                <a:latin typeface="Cambria Math" panose="02040503050406030204" pitchFamily="18" charset="0"/>
-                              </a:rPr>
-                            </m:ctrlPr>
-                          </m:accPr>
-                          <m:e>
-                            <m:r>
-                              <a:rPr lang="en-GB" sz="2400" i="1">
-                                <a:latin typeface="Cambria Math" panose="02040503050406030204" pitchFamily="18" charset="0"/>
-                              </a:rPr>
-                              <m:t>𝐸</m:t>
-                            </m:r>
-                          </m:e>
-                        </m:acc>
+                        <m:r>
+                          <a:rPr lang="en-GB" sz="2400" b="0" i="1" smtClean="0">
+                            <a:latin typeface="Cambria Math" panose="02040503050406030204" pitchFamily="18" charset="0"/>
+                          </a:rPr>
+                          <m:t>𝐸</m:t>
+                        </m:r>
                       </m:e>
                       <m:sub>
                         <m:r>
@@ -23379,7 +23370,7 @@
             </p:txBody>
           </p:sp>
         </mc:Choice>
-        <mc:Fallback xmlns="">
+        <mc:Fallback>
           <p:sp>
             <p:nvSpPr>
               <p:cNvPr id="11" name="TextBox 10">
@@ -23397,7 +23388,7 @@
             <p:spPr>
               <a:xfrm>
                 <a:off x="2506713" y="4168537"/>
-                <a:ext cx="6639232" cy="2156101"/>
+                <a:ext cx="6639232" cy="2083838"/>
               </a:xfrm>
               <a:prstGeom prst="rect">
                 <a:avLst/>
@@ -23405,7 +23396,7 @@
               <a:blipFill>
                 <a:blip r:embed="rId5"/>
                 <a:stretch>
-                  <a:fillRect l="-2112" t="-1977"/>
+                  <a:fillRect l="-2112" t="-2047"/>
                 </a:stretch>
               </a:blipFill>
               <a:ln w="12700" cap="flat">
@@ -27664,6 +27655,21 @@
 </file>
 
 <file path=customXml/item1.xml><?xml version="1.0" encoding="utf-8"?>
+<?mso-contentType ?>
+<FormTemplates xmlns="http://schemas.microsoft.com/sharepoint/v3/contenttype/forms">
+  <Display>DocumentLibraryForm</Display>
+  <Edit>DocumentLibraryForm</Edit>
+  <New>DocumentLibraryForm</New>
+</FormTemplates>
+</file>
+
+<file path=customXml/item2.xml><?xml version="1.0" encoding="utf-8"?>
+<p:properties xmlns:p="http://schemas.microsoft.com/office/2006/metadata/properties" xmlns:xsi="http://www.w3.org/2001/XMLSchema-instance" xmlns:pc="http://schemas.microsoft.com/office/infopath/2007/PartnerControls">
+  <documentManagement/>
+</p:properties>
+</file>
+
+<file path=customXml/item3.xml><?xml version="1.0" encoding="utf-8"?>
 <ct:contentTypeSchema xmlns:ct="http://schemas.microsoft.com/office/2006/metadata/contentType" xmlns:ma="http://schemas.microsoft.com/office/2006/metadata/properties/metaAttributes" ct:_="" ma:_="" ma:contentTypeName="Document" ma:contentTypeID="0x01010051ED4DCF60591A44AAB3EE560AB47ABB" ma:contentTypeVersion="4" ma:contentTypeDescription="Een nieuw document maken." ma:contentTypeScope="" ma:versionID="82ac3a51116a7e2a5ddbdd1ed37f67c1">
   <xsd:schema xmlns:xsd="http://www.w3.org/2001/XMLSchema" xmlns:xs="http://www.w3.org/2001/XMLSchema" xmlns:p="http://schemas.microsoft.com/office/2006/metadata/properties" xmlns:ns2="0fee4eeb-e725-4e09-a2c6-b2e7e1963b2c" xmlns:ns3="4878a322-d110-404d-8591-8977e4f7768d" targetNamespace="http://schemas.microsoft.com/office/2006/metadata/properties" ma:root="true" ma:fieldsID="d0d60f5b3da63a431ec21b1780a4f539" ns2:_="" ns3:_="">
     <xsd:import namespace="0fee4eeb-e725-4e09-a2c6-b2e7e1963b2c"/>
@@ -27828,36 +27834,10 @@
 </ct:contentTypeSchema>
 </file>
 
-<file path=customXml/item2.xml><?xml version="1.0" encoding="utf-8"?>
-<p:properties xmlns:p="http://schemas.microsoft.com/office/2006/metadata/properties" xmlns:xsi="http://www.w3.org/2001/XMLSchema-instance" xmlns:pc="http://schemas.microsoft.com/office/infopath/2007/PartnerControls">
-  <documentManagement/>
-</p:properties>
-</file>
-
-<file path=customXml/item3.xml><?xml version="1.0" encoding="utf-8"?>
-<?mso-contentType ?>
-<FormTemplates xmlns="http://schemas.microsoft.com/sharepoint/v3/contenttype/forms">
-  <Display>DocumentLibraryForm</Display>
-  <Edit>DocumentLibraryForm</Edit>
-  <New>DocumentLibraryForm</New>
-</FormTemplates>
-</file>
-
 <file path=customXml/itemProps1.xml><?xml version="1.0" encoding="utf-8"?>
-<ds:datastoreItem xmlns:ds="http://schemas.openxmlformats.org/officeDocument/2006/customXml" ds:itemID="{2B47AAD2-63BB-4AE7-B1D6-8F93FA60F9BB}">
+<ds:datastoreItem xmlns:ds="http://schemas.openxmlformats.org/officeDocument/2006/customXml" ds:itemID="{44FC4E75-1BFF-4267-BD26-E353E7D319D0}">
   <ds:schemaRefs>
-    <ds:schemaRef ds:uri="http://schemas.microsoft.com/office/2006/metadata/contentType"/>
-    <ds:schemaRef ds:uri="http://schemas.microsoft.com/office/2006/metadata/properties/metaAttributes"/>
-    <ds:schemaRef ds:uri="http://www.w3.org/2001/XMLSchema"/>
-    <ds:schemaRef ds:uri="http://schemas.microsoft.com/office/2006/metadata/properties"/>
-    <ds:schemaRef ds:uri="0fee4eeb-e725-4e09-a2c6-b2e7e1963b2c"/>
-    <ds:schemaRef ds:uri="4878a322-d110-404d-8591-8977e4f7768d"/>
-    <ds:schemaRef ds:uri="http://schemas.microsoft.com/office/2006/documentManagement/types"/>
-    <ds:schemaRef ds:uri="http://schemas.microsoft.com/office/infopath/2007/PartnerControls"/>
-    <ds:schemaRef ds:uri="http://schemas.openxmlformats.org/package/2006/metadata/core-properties"/>
-    <ds:schemaRef ds:uri="http://purl.org/dc/elements/1.1/"/>
-    <ds:schemaRef ds:uri="http://purl.org/dc/terms/"/>
-    <ds:schemaRef ds:uri="http://schemas.microsoft.com/internal/obd"/>
+    <ds:schemaRef ds:uri="http://schemas.microsoft.com/sharepoint/v3/contenttype/forms"/>
   </ds:schemaRefs>
 </ds:datastoreItem>
 </file>
@@ -27880,9 +27860,20 @@
 </file>
 
 <file path=customXml/itemProps3.xml><?xml version="1.0" encoding="utf-8"?>
-<ds:datastoreItem xmlns:ds="http://schemas.openxmlformats.org/officeDocument/2006/customXml" ds:itemID="{44FC4E75-1BFF-4267-BD26-E353E7D319D0}">
+<ds:datastoreItem xmlns:ds="http://schemas.openxmlformats.org/officeDocument/2006/customXml" ds:itemID="{2B47AAD2-63BB-4AE7-B1D6-8F93FA60F9BB}">
   <ds:schemaRefs>
-    <ds:schemaRef ds:uri="http://schemas.microsoft.com/sharepoint/v3/contenttype/forms"/>
+    <ds:schemaRef ds:uri="http://schemas.microsoft.com/office/2006/metadata/contentType"/>
+    <ds:schemaRef ds:uri="http://schemas.microsoft.com/office/2006/metadata/properties/metaAttributes"/>
+    <ds:schemaRef ds:uri="http://www.w3.org/2001/XMLSchema"/>
+    <ds:schemaRef ds:uri="http://schemas.microsoft.com/office/2006/metadata/properties"/>
+    <ds:schemaRef ds:uri="0fee4eeb-e725-4e09-a2c6-b2e7e1963b2c"/>
+    <ds:schemaRef ds:uri="4878a322-d110-404d-8591-8977e4f7768d"/>
+    <ds:schemaRef ds:uri="http://schemas.microsoft.com/office/2006/documentManagement/types"/>
+    <ds:schemaRef ds:uri="http://schemas.microsoft.com/office/infopath/2007/PartnerControls"/>
+    <ds:schemaRef ds:uri="http://schemas.openxmlformats.org/package/2006/metadata/core-properties"/>
+    <ds:schemaRef ds:uri="http://purl.org/dc/elements/1.1/"/>
+    <ds:schemaRef ds:uri="http://purl.org/dc/terms/"/>
+    <ds:schemaRef ds:uri="http://schemas.microsoft.com/internal/obd"/>
   </ds:schemaRefs>
 </ds:datastoreItem>
 </file>